--- a/ゼミ発表資料/1821005_1129.pptx
+++ b/ゼミ発表資料/1821005_1129.pptx
@@ -222,7 +222,7 @@
           <a:p>
             <a:fld id="{D359827B-A45A-42A3-8D19-3E0C9B79B6AF}" type="datetimeFigureOut">
               <a:rPr kumimoji="1" lang="ja-JP" altLang="en-US" smtClean="0"/>
-              <a:t>2021/11/22</a:t>
+              <a:t>2021/11/24</a:t>
             </a:fld>
             <a:endParaRPr kumimoji="1" lang="ja-JP" altLang="en-US"/>
           </a:p>
@@ -983,7 +983,7 @@
           <a:p>
             <a:fld id="{F97256E2-A65E-4B77-B264-911586924883}" type="datetime1">
               <a:rPr kumimoji="1" lang="ja-JP" altLang="en-US" smtClean="0"/>
-              <a:t>2021/11/22</a:t>
+              <a:t>2021/11/24</a:t>
             </a:fld>
             <a:endParaRPr kumimoji="1" lang="ja-JP" altLang="en-US"/>
           </a:p>
@@ -1185,7 +1185,7 @@
           <a:p>
             <a:fld id="{7D14B865-5DC8-45B1-AA67-F8656352C909}" type="datetime1">
               <a:rPr kumimoji="1" lang="ja-JP" altLang="en-US" smtClean="0"/>
-              <a:t>2021/11/22</a:t>
+              <a:t>2021/11/24</a:t>
             </a:fld>
             <a:endParaRPr kumimoji="1" lang="ja-JP" altLang="en-US"/>
           </a:p>
@@ -1397,7 +1397,7 @@
           <a:p>
             <a:fld id="{02A15EFD-2DFF-458B-A902-73BF4EFB1164}" type="datetime1">
               <a:rPr kumimoji="1" lang="ja-JP" altLang="en-US" smtClean="0"/>
-              <a:t>2021/11/22</a:t>
+              <a:t>2021/11/24</a:t>
             </a:fld>
             <a:endParaRPr kumimoji="1" lang="ja-JP" altLang="en-US"/>
           </a:p>
@@ -1599,7 +1599,7 @@
           <a:p>
             <a:fld id="{9EBF459C-F29A-4B20-A8B3-856EFF20B301}" type="datetime1">
               <a:rPr kumimoji="1" lang="ja-JP" altLang="en-US" smtClean="0"/>
-              <a:t>2021/11/22</a:t>
+              <a:t>2021/11/24</a:t>
             </a:fld>
             <a:endParaRPr kumimoji="1" lang="ja-JP" altLang="en-US"/>
           </a:p>
@@ -1843,7 +1843,7 @@
           <a:p>
             <a:fld id="{E2F1D19E-D3ED-426D-8C0C-A7E859C70D82}" type="datetime1">
               <a:rPr kumimoji="1" lang="ja-JP" altLang="en-US" smtClean="0"/>
-              <a:t>2021/11/22</a:t>
+              <a:t>2021/11/24</a:t>
             </a:fld>
             <a:endParaRPr kumimoji="1" lang="ja-JP" altLang="en-US"/>
           </a:p>
@@ -2139,7 +2139,7 @@
           <a:p>
             <a:fld id="{AC85B4AF-0CA0-4CE4-B5F2-9615981BDB42}" type="datetime1">
               <a:rPr kumimoji="1" lang="ja-JP" altLang="en-US" smtClean="0"/>
-              <a:t>2021/11/22</a:t>
+              <a:t>2021/11/24</a:t>
             </a:fld>
             <a:endParaRPr kumimoji="1" lang="ja-JP" altLang="en-US"/>
           </a:p>
@@ -2570,7 +2570,7 @@
           <a:p>
             <a:fld id="{41CEF983-C0A5-4267-8E2C-E552BBDE4CE2}" type="datetime1">
               <a:rPr kumimoji="1" lang="ja-JP" altLang="en-US" smtClean="0"/>
-              <a:t>2021/11/22</a:t>
+              <a:t>2021/11/24</a:t>
             </a:fld>
             <a:endParaRPr kumimoji="1" lang="ja-JP" altLang="en-US"/>
           </a:p>
@@ -2688,7 +2688,7 @@
           <a:p>
             <a:fld id="{88BDB93D-AD42-430C-B431-09BCC7ABE956}" type="datetime1">
               <a:rPr kumimoji="1" lang="ja-JP" altLang="en-US" smtClean="0"/>
-              <a:t>2021/11/22</a:t>
+              <a:t>2021/11/24</a:t>
             </a:fld>
             <a:endParaRPr kumimoji="1" lang="ja-JP" altLang="en-US"/>
           </a:p>
@@ -2783,7 +2783,7 @@
           <a:p>
             <a:fld id="{D271579B-5523-45D2-8886-921D1D44EEED}" type="datetime1">
               <a:rPr kumimoji="1" lang="ja-JP" altLang="en-US" smtClean="0"/>
-              <a:t>2021/11/22</a:t>
+              <a:t>2021/11/24</a:t>
             </a:fld>
             <a:endParaRPr kumimoji="1" lang="ja-JP" altLang="en-US"/>
           </a:p>
@@ -3092,7 +3092,7 @@
           <a:p>
             <a:fld id="{0E7742D9-CD6D-4362-A175-904BAA441680}" type="datetime1">
               <a:rPr kumimoji="1" lang="ja-JP" altLang="en-US" smtClean="0"/>
-              <a:t>2021/11/22</a:t>
+              <a:t>2021/11/24</a:t>
             </a:fld>
             <a:endParaRPr kumimoji="1" lang="ja-JP" altLang="en-US"/>
           </a:p>
@@ -3349,7 +3349,7 @@
           <a:p>
             <a:fld id="{81F08DD8-F1CF-472A-B406-5FCD361CD16E}" type="datetime1">
               <a:rPr kumimoji="1" lang="ja-JP" altLang="en-US" smtClean="0"/>
-              <a:t>2021/11/22</a:t>
+              <a:t>2021/11/24</a:t>
             </a:fld>
             <a:endParaRPr kumimoji="1" lang="ja-JP" altLang="en-US"/>
           </a:p>
@@ -3594,7 +3594,7 @@
           <a:p>
             <a:fld id="{12578FE9-280D-4954-B807-C67AC8024AE2}" type="datetime1">
               <a:rPr kumimoji="1" lang="ja-JP" altLang="en-US" smtClean="0"/>
-              <a:t>2021/11/22</a:t>
+              <a:t>2021/11/24</a:t>
             </a:fld>
             <a:endParaRPr kumimoji="1" lang="ja-JP" altLang="en-US"/>
           </a:p>
@@ -4023,11 +4023,7 @@
             </a:r>
             <a:r>
               <a:rPr kumimoji="1" lang="ja-JP" altLang="en-US" smtClean="0"/>
-              <a:t>の</a:t>
-            </a:r>
-            <a:r>
-              <a:rPr kumimoji="1" lang="ja-JP" altLang="en-US" smtClean="0"/>
-              <a:t>関係性の評価・実験</a:t>
+              <a:t>の関係性の評価・実験</a:t>
             </a:r>
             <a:endParaRPr kumimoji="1" lang="ja-JP" altLang="en-US" strike="sngStrike" dirty="0"/>
           </a:p>

--- a/ゼミ発表資料/1821005_1129.pptx
+++ b/ゼミ発表資料/1821005_1129.pptx
@@ -5,7 +5,7 @@
     <p:sldMasterId id="2147483660" r:id="rId1"/>
   </p:sldMasterIdLst>
   <p:notesMasterIdLst>
-    <p:notesMasterId r:id="rId28"/>
+    <p:notesMasterId r:id="rId29"/>
   </p:notesMasterIdLst>
   <p:sldIdLst>
     <p:sldId id="256" r:id="rId2"/>
@@ -34,6 +34,7 @@
     <p:sldId id="282" r:id="rId25"/>
     <p:sldId id="283" r:id="rId26"/>
     <p:sldId id="285" r:id="rId27"/>
+    <p:sldId id="287" r:id="rId28"/>
   </p:sldIdLst>
   <p:sldSz cx="9144000" cy="6858000" type="screen4x3"/>
   <p:notesSz cx="6858000" cy="9144000"/>
@@ -222,7 +223,7 @@
           <a:p>
             <a:fld id="{D359827B-A45A-42A3-8D19-3E0C9B79B6AF}" type="datetimeFigureOut">
               <a:rPr kumimoji="1" lang="ja-JP" altLang="en-US" smtClean="0"/>
-              <a:t>2021/11/24</a:t>
+              <a:t>2021/11/29</a:t>
             </a:fld>
             <a:endParaRPr kumimoji="1" lang="ja-JP" altLang="en-US"/>
           </a:p>
@@ -983,7 +984,7 @@
           <a:p>
             <a:fld id="{F97256E2-A65E-4B77-B264-911586924883}" type="datetime1">
               <a:rPr kumimoji="1" lang="ja-JP" altLang="en-US" smtClean="0"/>
-              <a:t>2021/11/24</a:t>
+              <a:t>2021/11/29</a:t>
             </a:fld>
             <a:endParaRPr kumimoji="1" lang="ja-JP" altLang="en-US"/>
           </a:p>
@@ -1185,7 +1186,7 @@
           <a:p>
             <a:fld id="{7D14B865-5DC8-45B1-AA67-F8656352C909}" type="datetime1">
               <a:rPr kumimoji="1" lang="ja-JP" altLang="en-US" smtClean="0"/>
-              <a:t>2021/11/24</a:t>
+              <a:t>2021/11/29</a:t>
             </a:fld>
             <a:endParaRPr kumimoji="1" lang="ja-JP" altLang="en-US"/>
           </a:p>
@@ -1397,7 +1398,7 @@
           <a:p>
             <a:fld id="{02A15EFD-2DFF-458B-A902-73BF4EFB1164}" type="datetime1">
               <a:rPr kumimoji="1" lang="ja-JP" altLang="en-US" smtClean="0"/>
-              <a:t>2021/11/24</a:t>
+              <a:t>2021/11/29</a:t>
             </a:fld>
             <a:endParaRPr kumimoji="1" lang="ja-JP" altLang="en-US"/>
           </a:p>
@@ -1599,7 +1600,7 @@
           <a:p>
             <a:fld id="{9EBF459C-F29A-4B20-A8B3-856EFF20B301}" type="datetime1">
               <a:rPr kumimoji="1" lang="ja-JP" altLang="en-US" smtClean="0"/>
-              <a:t>2021/11/24</a:t>
+              <a:t>2021/11/29</a:t>
             </a:fld>
             <a:endParaRPr kumimoji="1" lang="ja-JP" altLang="en-US"/>
           </a:p>
@@ -1843,7 +1844,7 @@
           <a:p>
             <a:fld id="{E2F1D19E-D3ED-426D-8C0C-A7E859C70D82}" type="datetime1">
               <a:rPr kumimoji="1" lang="ja-JP" altLang="en-US" smtClean="0"/>
-              <a:t>2021/11/24</a:t>
+              <a:t>2021/11/29</a:t>
             </a:fld>
             <a:endParaRPr kumimoji="1" lang="ja-JP" altLang="en-US"/>
           </a:p>
@@ -2139,7 +2140,7 @@
           <a:p>
             <a:fld id="{AC85B4AF-0CA0-4CE4-B5F2-9615981BDB42}" type="datetime1">
               <a:rPr kumimoji="1" lang="ja-JP" altLang="en-US" smtClean="0"/>
-              <a:t>2021/11/24</a:t>
+              <a:t>2021/11/29</a:t>
             </a:fld>
             <a:endParaRPr kumimoji="1" lang="ja-JP" altLang="en-US"/>
           </a:p>
@@ -2570,7 +2571,7 @@
           <a:p>
             <a:fld id="{41CEF983-C0A5-4267-8E2C-E552BBDE4CE2}" type="datetime1">
               <a:rPr kumimoji="1" lang="ja-JP" altLang="en-US" smtClean="0"/>
-              <a:t>2021/11/24</a:t>
+              <a:t>2021/11/29</a:t>
             </a:fld>
             <a:endParaRPr kumimoji="1" lang="ja-JP" altLang="en-US"/>
           </a:p>
@@ -2688,7 +2689,7 @@
           <a:p>
             <a:fld id="{88BDB93D-AD42-430C-B431-09BCC7ABE956}" type="datetime1">
               <a:rPr kumimoji="1" lang="ja-JP" altLang="en-US" smtClean="0"/>
-              <a:t>2021/11/24</a:t>
+              <a:t>2021/11/29</a:t>
             </a:fld>
             <a:endParaRPr kumimoji="1" lang="ja-JP" altLang="en-US"/>
           </a:p>
@@ -2783,7 +2784,7 @@
           <a:p>
             <a:fld id="{D271579B-5523-45D2-8886-921D1D44EEED}" type="datetime1">
               <a:rPr kumimoji="1" lang="ja-JP" altLang="en-US" smtClean="0"/>
-              <a:t>2021/11/24</a:t>
+              <a:t>2021/11/29</a:t>
             </a:fld>
             <a:endParaRPr kumimoji="1" lang="ja-JP" altLang="en-US"/>
           </a:p>
@@ -3092,7 +3093,7 @@
           <a:p>
             <a:fld id="{0E7742D9-CD6D-4362-A175-904BAA441680}" type="datetime1">
               <a:rPr kumimoji="1" lang="ja-JP" altLang="en-US" smtClean="0"/>
-              <a:t>2021/11/24</a:t>
+              <a:t>2021/11/29</a:t>
             </a:fld>
             <a:endParaRPr kumimoji="1" lang="ja-JP" altLang="en-US"/>
           </a:p>
@@ -3349,7 +3350,7 @@
           <a:p>
             <a:fld id="{81F08DD8-F1CF-472A-B406-5FCD361CD16E}" type="datetime1">
               <a:rPr kumimoji="1" lang="ja-JP" altLang="en-US" smtClean="0"/>
-              <a:t>2021/11/24</a:t>
+              <a:t>2021/11/29</a:t>
             </a:fld>
             <a:endParaRPr kumimoji="1" lang="ja-JP" altLang="en-US"/>
           </a:p>
@@ -3594,7 +3595,7 @@
           <a:p>
             <a:fld id="{12578FE9-280D-4954-B807-C67AC8024AE2}" type="datetime1">
               <a:rPr kumimoji="1" lang="ja-JP" altLang="en-US" smtClean="0"/>
-              <a:t>2021/11/24</a:t>
+              <a:t>2021/11/29</a:t>
             </a:fld>
             <a:endParaRPr kumimoji="1" lang="ja-JP" altLang="en-US"/>
           </a:p>
@@ -4010,7 +4011,12 @@
             <p:ph type="ctrTitle"/>
           </p:nvPr>
         </p:nvSpPr>
-        <p:spPr/>
+        <p:spPr>
+          <a:xfrm>
+            <a:off x="685800" y="1761067"/>
+            <a:ext cx="7772400" cy="2391304"/>
+          </a:xfrm>
+        </p:spPr>
         <p:txBody>
           <a:bodyPr>
             <a:normAutofit fontScale="90000"/>
@@ -4019,11 +4025,7 @@
           <a:p>
             <a:r>
               <a:rPr kumimoji="1" lang="ja-JP" altLang="en-US" dirty="0" smtClean="0"/>
-              <a:t>画像検索のための画像特徴ベクトルの次元数に着目した認識精度と計算コスト</a:t>
-            </a:r>
-            <a:r>
-              <a:rPr kumimoji="1" lang="ja-JP" altLang="en-US" smtClean="0"/>
-              <a:t>の関係性の評価・実験</a:t>
+              <a:t>画像検索のための画像特徴ベクトルの次元数に着目した認識精度と計算コストの関係性の評価・実験</a:t>
             </a:r>
             <a:endParaRPr kumimoji="1" lang="ja-JP" altLang="en-US" strike="sngStrike" dirty="0"/>
           </a:p>
@@ -4039,15 +4041,21 @@
             <p:ph type="subTitle" idx="1"/>
           </p:nvPr>
         </p:nvSpPr>
-        <p:spPr/>
+        <p:spPr>
+          <a:xfrm>
+            <a:off x="1143000" y="4152371"/>
+            <a:ext cx="6858000" cy="1655762"/>
+          </a:xfrm>
+        </p:spPr>
         <p:txBody>
           <a:bodyPr/>
           <a:lstStyle/>
           <a:p>
             <a:r>
               <a:rPr kumimoji="1" lang="en-US" altLang="ja-JP" dirty="0" smtClean="0"/>
-              <a:t>2021/11/22</a:t>
-            </a:r>
+              <a:t>2021/11/29</a:t>
+            </a:r>
+            <a:endParaRPr kumimoji="1" lang="en-US" altLang="ja-JP" dirty="0" smtClean="0"/>
           </a:p>
           <a:p>
             <a:r>
@@ -9658,6 +9666,104 @@
 </p:sld>
 </file>
 
+<file path=ppt/slides/slide27.xml><?xml version="1.0" encoding="utf-8"?>
+<p:sld xmlns:a="http://schemas.openxmlformats.org/drawingml/2006/main" xmlns:r="http://schemas.openxmlformats.org/officeDocument/2006/relationships" xmlns:p="http://schemas.openxmlformats.org/presentationml/2006/main">
+  <p:cSld>
+    <p:spTree>
+      <p:nvGrpSpPr>
+        <p:cNvPr id="1" name=""/>
+        <p:cNvGrpSpPr/>
+        <p:nvPr/>
+      </p:nvGrpSpPr>
+      <p:grpSpPr>
+        <a:xfrm>
+          <a:off x="0" y="0"/>
+          <a:ext cx="0" cy="0"/>
+          <a:chOff x="0" y="0"/>
+          <a:chExt cx="0" cy="0"/>
+        </a:xfrm>
+      </p:grpSpPr>
+      <p:sp>
+        <p:nvSpPr>
+          <p:cNvPr id="2" name="タイトル 1"/>
+          <p:cNvSpPr>
+            <a:spLocks noGrp="1"/>
+          </p:cNvSpPr>
+          <p:nvPr>
+            <p:ph type="title"/>
+          </p:nvPr>
+        </p:nvSpPr>
+        <p:spPr/>
+        <p:txBody>
+          <a:bodyPr/>
+          <a:lstStyle/>
+          <a:p>
+            <a:endParaRPr kumimoji="1" lang="ja-JP" altLang="en-US" dirty="0"/>
+          </a:p>
+        </p:txBody>
+      </p:sp>
+      <p:sp>
+        <p:nvSpPr>
+          <p:cNvPr id="3" name="コンテンツ プレースホルダー 2"/>
+          <p:cNvSpPr>
+            <a:spLocks noGrp="1"/>
+          </p:cNvSpPr>
+          <p:nvPr>
+            <p:ph idx="1"/>
+          </p:nvPr>
+        </p:nvSpPr>
+        <p:spPr/>
+        <p:txBody>
+          <a:bodyPr/>
+          <a:lstStyle/>
+          <a:p>
+            <a:endParaRPr kumimoji="1" lang="ja-JP" altLang="en-US"/>
+          </a:p>
+        </p:txBody>
+      </p:sp>
+      <p:sp>
+        <p:nvSpPr>
+          <p:cNvPr id="4" name="スライド番号プレースホルダー 3"/>
+          <p:cNvSpPr>
+            <a:spLocks noGrp="1"/>
+          </p:cNvSpPr>
+          <p:nvPr>
+            <p:ph type="sldNum" sz="quarter" idx="12"/>
+          </p:nvPr>
+        </p:nvSpPr>
+        <p:spPr/>
+        <p:txBody>
+          <a:bodyPr/>
+          <a:lstStyle/>
+          <a:p>
+            <a:fld id="{768BF403-63E9-4BE6-AA0B-408C483EA9DC}" type="slidenum">
+              <a:rPr kumimoji="1" lang="ja-JP" altLang="en-US" smtClean="0"/>
+              <a:t>27</a:t>
+            </a:fld>
+            <a:endParaRPr kumimoji="1" lang="ja-JP" altLang="en-US"/>
+          </a:p>
+        </p:txBody>
+      </p:sp>
+    </p:spTree>
+    <p:extLst>
+      <p:ext uri="{BB962C8B-B14F-4D97-AF65-F5344CB8AC3E}">
+        <p14:creationId xmlns:p14="http://schemas.microsoft.com/office/powerpoint/2010/main" val="722132472"/>
+      </p:ext>
+    </p:extLst>
+  </p:cSld>
+  <p:clrMapOvr>
+    <a:masterClrMapping/>
+  </p:clrMapOvr>
+  <p:timing>
+    <p:tnLst>
+      <p:par>
+        <p:cTn id="1" dur="indefinite" restart="never" nodeType="tmRoot"/>
+      </p:par>
+    </p:tnLst>
+  </p:timing>
+</p:sld>
+</file>
+
 <file path=ppt/slides/slide3.xml><?xml version="1.0" encoding="utf-8"?>
 <p:sld xmlns:a="http://schemas.openxmlformats.org/drawingml/2006/main" xmlns:r="http://schemas.openxmlformats.org/officeDocument/2006/relationships" xmlns:p="http://schemas.openxmlformats.org/presentationml/2006/main">
   <p:cSld>
@@ -9715,20 +9821,8 @@
           <a:p>
             <a:pPr algn="just"/>
             <a:r>
-              <a:rPr lang="en-US" altLang="ja-JP" dirty="0"/>
-              <a:t>Twitter</a:t>
-            </a:r>
-            <a:r>
-              <a:rPr lang="ja-JP" altLang="ja-JP" dirty="0"/>
-              <a:t>や</a:t>
-            </a:r>
-            <a:r>
-              <a:rPr lang="en-US" altLang="ja-JP" dirty="0"/>
-              <a:t>Instagram</a:t>
-            </a:r>
-            <a:r>
-              <a:rPr lang="ja-JP" altLang="ja-JP" dirty="0"/>
-              <a:t>などのソーシャルネットワーキングサービス</a:t>
+              <a:rPr lang="ja-JP" altLang="ja-JP" dirty="0" smtClean="0"/>
+              <a:t>ソーシャルネットワーキングサービス</a:t>
             </a:r>
             <a:r>
               <a:rPr lang="ja-JP" altLang="en-US" dirty="0"/>
